--- a/contact/research-statement/figure/intro.pptx
+++ b/contact/research-statement/figure/intro.pptx
@@ -243,7 +243,7 @@
           <a:p>
             <a:fld id="{2619ACB2-CE3D-A242-99C8-F1AB19133DA3}" type="datetimeFigureOut">
               <a:rPr lang="en-US" smtClean="0"/>
-              <a:t>10/6/16</a:t>
+              <a:t>11/14/16</a:t>
             </a:fld>
             <a:endParaRPr lang="en-US"/>
           </a:p>
@@ -413,7 +413,7 @@
           <a:p>
             <a:fld id="{2619ACB2-CE3D-A242-99C8-F1AB19133DA3}" type="datetimeFigureOut">
               <a:rPr lang="en-US" smtClean="0"/>
-              <a:t>10/6/16</a:t>
+              <a:t>11/14/16</a:t>
             </a:fld>
             <a:endParaRPr lang="en-US"/>
           </a:p>
@@ -593,7 +593,7 @@
           <a:p>
             <a:fld id="{2619ACB2-CE3D-A242-99C8-F1AB19133DA3}" type="datetimeFigureOut">
               <a:rPr lang="en-US" smtClean="0"/>
-              <a:t>10/6/16</a:t>
+              <a:t>11/14/16</a:t>
             </a:fld>
             <a:endParaRPr lang="en-US"/>
           </a:p>
@@ -763,7 +763,7 @@
           <a:p>
             <a:fld id="{2619ACB2-CE3D-A242-99C8-F1AB19133DA3}" type="datetimeFigureOut">
               <a:rPr lang="en-US" smtClean="0"/>
-              <a:t>10/6/16</a:t>
+              <a:t>11/14/16</a:t>
             </a:fld>
             <a:endParaRPr lang="en-US"/>
           </a:p>
@@ -1009,7 +1009,7 @@
           <a:p>
             <a:fld id="{2619ACB2-CE3D-A242-99C8-F1AB19133DA3}" type="datetimeFigureOut">
               <a:rPr lang="en-US" smtClean="0"/>
-              <a:t>10/6/16</a:t>
+              <a:t>11/14/16</a:t>
             </a:fld>
             <a:endParaRPr lang="en-US"/>
           </a:p>
@@ -1241,7 +1241,7 @@
           <a:p>
             <a:fld id="{2619ACB2-CE3D-A242-99C8-F1AB19133DA3}" type="datetimeFigureOut">
               <a:rPr lang="en-US" smtClean="0"/>
-              <a:t>10/6/16</a:t>
+              <a:t>11/14/16</a:t>
             </a:fld>
             <a:endParaRPr lang="en-US"/>
           </a:p>
@@ -1608,7 +1608,7 @@
           <a:p>
             <a:fld id="{2619ACB2-CE3D-A242-99C8-F1AB19133DA3}" type="datetimeFigureOut">
               <a:rPr lang="en-US" smtClean="0"/>
-              <a:t>10/6/16</a:t>
+              <a:t>11/14/16</a:t>
             </a:fld>
             <a:endParaRPr lang="en-US"/>
           </a:p>
@@ -1726,7 +1726,7 @@
           <a:p>
             <a:fld id="{2619ACB2-CE3D-A242-99C8-F1AB19133DA3}" type="datetimeFigureOut">
               <a:rPr lang="en-US" smtClean="0"/>
-              <a:t>10/6/16</a:t>
+              <a:t>11/14/16</a:t>
             </a:fld>
             <a:endParaRPr lang="en-US"/>
           </a:p>
@@ -1821,7 +1821,7 @@
           <a:p>
             <a:fld id="{2619ACB2-CE3D-A242-99C8-F1AB19133DA3}" type="datetimeFigureOut">
               <a:rPr lang="en-US" smtClean="0"/>
-              <a:t>10/6/16</a:t>
+              <a:t>11/14/16</a:t>
             </a:fld>
             <a:endParaRPr lang="en-US"/>
           </a:p>
@@ -2098,7 +2098,7 @@
           <a:p>
             <a:fld id="{2619ACB2-CE3D-A242-99C8-F1AB19133DA3}" type="datetimeFigureOut">
               <a:rPr lang="en-US" smtClean="0"/>
-              <a:t>10/6/16</a:t>
+              <a:t>11/14/16</a:t>
             </a:fld>
             <a:endParaRPr lang="en-US"/>
           </a:p>
@@ -2355,7 +2355,7 @@
           <a:p>
             <a:fld id="{2619ACB2-CE3D-A242-99C8-F1AB19133DA3}" type="datetimeFigureOut">
               <a:rPr lang="en-US" smtClean="0"/>
-              <a:t>10/6/16</a:t>
+              <a:t>11/14/16</a:t>
             </a:fld>
             <a:endParaRPr lang="en-US"/>
           </a:p>
@@ -2568,7 +2568,7 @@
           <a:p>
             <a:fld id="{2619ACB2-CE3D-A242-99C8-F1AB19133DA3}" type="datetimeFigureOut">
               <a:rPr lang="en-US" smtClean="0"/>
-              <a:t>10/6/16</a:t>
+              <a:t>11/14/16</a:t>
             </a:fld>
             <a:endParaRPr lang="en-US"/>
           </a:p>
@@ -4328,8 +4328,8 @@
         </p:nvSpPr>
         <p:spPr>
           <a:xfrm>
-            <a:off x="814768" y="25753"/>
-            <a:ext cx="1371600" cy="182880"/>
+            <a:off x="128968" y="42686"/>
+            <a:ext cx="2743200" cy="203960"/>
           </a:xfrm>
           <a:prstGeom prst="rect">
             <a:avLst/>
@@ -4368,15 +4368,15 @@
           <a:p>
             <a:pPr algn="ctr"/>
             <a:r>
-              <a:rPr lang="en-US" altLang="zh-CN" sz="2000" i="1" dirty="0">
-                <a:solidFill>
-                  <a:schemeClr val="tx1"/>
-                </a:solidFill>
-                <a:latin typeface="Times" charset="0"/>
-                <a:ea typeface="Times" charset="0"/>
-                <a:cs typeface="Times" charset="0"/>
-              </a:rPr>
-              <a:t>Challenges</a:t>
+              <a:rPr lang="en-US" altLang="zh-CN" sz="2000" i="1" dirty="0" smtClean="0">
+                <a:solidFill>
+                  <a:schemeClr val="tx1"/>
+                </a:solidFill>
+                <a:latin typeface="Times" charset="0"/>
+                <a:ea typeface="Times" charset="0"/>
+                <a:cs typeface="Times" charset="0"/>
+              </a:rPr>
+              <a:t>Challenges in modeling</a:t>
             </a:r>
             <a:endParaRPr lang="en-US" sz="2000" i="1" dirty="0">
               <a:solidFill>
